--- a/Никишин.pptx
+++ b/Никишин.pptx
@@ -258,7 +258,7 @@
           <a:p>
             <a:fld id="{F4F312AE-D908-4D12-AEC0-5B4889B8D800}" type="datetimeFigureOut">
               <a:rPr lang="ru-RU" smtClean="0"/>
-              <a:t>08.05.2025</a:t>
+              <a:t>19.05.2025</a:t>
             </a:fld>
             <a:endParaRPr lang="ru-RU"/>
           </a:p>
@@ -428,7 +428,7 @@
           <a:p>
             <a:fld id="{F4F312AE-D908-4D12-AEC0-5B4889B8D800}" type="datetimeFigureOut">
               <a:rPr lang="ru-RU" smtClean="0"/>
-              <a:t>08.05.2025</a:t>
+              <a:t>19.05.2025</a:t>
             </a:fld>
             <a:endParaRPr lang="ru-RU"/>
           </a:p>
@@ -608,7 +608,7 @@
           <a:p>
             <a:fld id="{F4F312AE-D908-4D12-AEC0-5B4889B8D800}" type="datetimeFigureOut">
               <a:rPr lang="ru-RU" smtClean="0"/>
-              <a:t>08.05.2025</a:t>
+              <a:t>19.05.2025</a:t>
             </a:fld>
             <a:endParaRPr lang="ru-RU"/>
           </a:p>
@@ -778,7 +778,7 @@
           <a:p>
             <a:fld id="{F4F312AE-D908-4D12-AEC0-5B4889B8D800}" type="datetimeFigureOut">
               <a:rPr lang="ru-RU" smtClean="0"/>
-              <a:t>08.05.2025</a:t>
+              <a:t>19.05.2025</a:t>
             </a:fld>
             <a:endParaRPr lang="ru-RU"/>
           </a:p>
@@ -1024,7 +1024,7 @@
           <a:p>
             <a:fld id="{F4F312AE-D908-4D12-AEC0-5B4889B8D800}" type="datetimeFigureOut">
               <a:rPr lang="ru-RU" smtClean="0"/>
-              <a:t>08.05.2025</a:t>
+              <a:t>19.05.2025</a:t>
             </a:fld>
             <a:endParaRPr lang="ru-RU"/>
           </a:p>
@@ -1256,7 +1256,7 @@
           <a:p>
             <a:fld id="{F4F312AE-D908-4D12-AEC0-5B4889B8D800}" type="datetimeFigureOut">
               <a:rPr lang="ru-RU" smtClean="0"/>
-              <a:t>08.05.2025</a:t>
+              <a:t>19.05.2025</a:t>
             </a:fld>
             <a:endParaRPr lang="ru-RU"/>
           </a:p>
@@ -1623,7 +1623,7 @@
           <a:p>
             <a:fld id="{F4F312AE-D908-4D12-AEC0-5B4889B8D800}" type="datetimeFigureOut">
               <a:rPr lang="ru-RU" smtClean="0"/>
-              <a:t>08.05.2025</a:t>
+              <a:t>19.05.2025</a:t>
             </a:fld>
             <a:endParaRPr lang="ru-RU"/>
           </a:p>
@@ -1741,7 +1741,7 @@
           <a:p>
             <a:fld id="{F4F312AE-D908-4D12-AEC0-5B4889B8D800}" type="datetimeFigureOut">
               <a:rPr lang="ru-RU" smtClean="0"/>
-              <a:t>08.05.2025</a:t>
+              <a:t>19.05.2025</a:t>
             </a:fld>
             <a:endParaRPr lang="ru-RU"/>
           </a:p>
@@ -1836,7 +1836,7 @@
           <a:p>
             <a:fld id="{F4F312AE-D908-4D12-AEC0-5B4889B8D800}" type="datetimeFigureOut">
               <a:rPr lang="ru-RU" smtClean="0"/>
-              <a:t>08.05.2025</a:t>
+              <a:t>19.05.2025</a:t>
             </a:fld>
             <a:endParaRPr lang="ru-RU"/>
           </a:p>
@@ -2113,7 +2113,7 @@
           <a:p>
             <a:fld id="{F4F312AE-D908-4D12-AEC0-5B4889B8D800}" type="datetimeFigureOut">
               <a:rPr lang="ru-RU" smtClean="0"/>
-              <a:t>08.05.2025</a:t>
+              <a:t>19.05.2025</a:t>
             </a:fld>
             <a:endParaRPr lang="ru-RU"/>
           </a:p>
@@ -2366,7 +2366,7 @@
           <a:p>
             <a:fld id="{F4F312AE-D908-4D12-AEC0-5B4889B8D800}" type="datetimeFigureOut">
               <a:rPr lang="ru-RU" smtClean="0"/>
-              <a:t>08.05.2025</a:t>
+              <a:t>19.05.2025</a:t>
             </a:fld>
             <a:endParaRPr lang="ru-RU"/>
           </a:p>
@@ -2579,7 +2579,7 @@
           <a:p>
             <a:fld id="{F4F312AE-D908-4D12-AEC0-5B4889B8D800}" type="datetimeFigureOut">
               <a:rPr lang="ru-RU" smtClean="0"/>
-              <a:t>08.05.2025</a:t>
+              <a:t>19.05.2025</a:t>
             </a:fld>
             <a:endParaRPr lang="ru-RU"/>
           </a:p>
@@ -2996,7 +2996,7 @@
         </p:nvSpPr>
         <p:spPr>
           <a:xfrm>
-            <a:off x="1524000" y="-1005016"/>
+            <a:off x="1524000" y="-855726"/>
             <a:ext cx="9144000" cy="2387600"/>
           </a:xfrm>
         </p:spPr>
@@ -4603,25 +4603,35 @@
           </a:p>
         </p:txBody>
       </p:sp>
-      <p:sp>
-        <p:nvSpPr>
-          <p:cNvPr id="3" name="Объект 2"/>
-          <p:cNvSpPr>
-            <a:spLocks noGrp="1"/>
-          </p:cNvSpPr>
+      <p:pic>
+        <p:nvPicPr>
+          <p:cNvPr id="7" name="Объект 6"/>
+          <p:cNvPicPr>
+            <a:picLocks noGrp="1" noChangeAspect="1"/>
+          </p:cNvPicPr>
           <p:nvPr>
             <p:ph idx="1"/>
           </p:nvPr>
-        </p:nvSpPr>
-        <p:spPr/>
-        <p:txBody>
-          <a:bodyPr/>
-          <a:lstStyle/>
-          <a:p>
-            <a:endParaRPr lang="ru-RU"/>
-          </a:p>
-        </p:txBody>
-      </p:sp>
+        </p:nvPicPr>
+        <p:blipFill>
+          <a:blip r:embed="rId2">
+            <a:extLst>
+              <a:ext uri="{28A0092B-C50C-407E-A947-70E740481C1C}">
+                <a14:useLocalDpi xmlns:a14="http://schemas.microsoft.com/office/drawing/2010/main" val="0"/>
+              </a:ext>
+            </a:extLst>
+          </a:blip>
+          <a:stretch>
+            <a:fillRect/>
+          </a:stretch>
+        </p:blipFill>
+        <p:spPr>
+          <a:xfrm>
+            <a:off x="3920331" y="1825625"/>
+            <a:ext cx="4351338" cy="4351338"/>
+          </a:xfrm>
+        </p:spPr>
+      </p:pic>
     </p:spTree>
     <p:extLst>
       <p:ext uri="{BB962C8B-B14F-4D97-AF65-F5344CB8AC3E}">
@@ -6055,7 +6065,6 @@
               <a:rPr lang="ru-RU" b="1" dirty="0"/>
               <a:t>Раздел «Тюнинг»</a:t>
             </a:r>
-            <a:endParaRPr lang="ru-RU" b="1" dirty="0"/>
           </a:p>
         </p:txBody>
       </p:sp>
